--- a/presentations/06-Security-Architecture.pptx
+++ b/presentations/06-Security-Architecture.pptx
@@ -6,7 +6,7 @@
     <p:sldMasterId id="2147483676" r:id="rId2"/>
   </p:sldMasterIdLst>
   <p:notesMasterIdLst>
-    <p:notesMasterId r:id="rId22"/>
+    <p:notesMasterId r:id="rId21"/>
   </p:notesMasterIdLst>
   <p:sldIdLst>
     <p:sldId id="276" r:id="rId3"/>
@@ -19,56 +19,55 @@
     <p:sldId id="307" r:id="rId10"/>
     <p:sldId id="309" r:id="rId11"/>
     <p:sldId id="310" r:id="rId12"/>
-    <p:sldId id="318" r:id="rId13"/>
-    <p:sldId id="312" r:id="rId14"/>
-    <p:sldId id="308" r:id="rId15"/>
-    <p:sldId id="313" r:id="rId16"/>
-    <p:sldId id="314" r:id="rId17"/>
-    <p:sldId id="316" r:id="rId18"/>
-    <p:sldId id="317" r:id="rId19"/>
-    <p:sldId id="273" r:id="rId20"/>
-    <p:sldId id="274" r:id="rId21"/>
+    <p:sldId id="312" r:id="rId13"/>
+    <p:sldId id="308" r:id="rId14"/>
+    <p:sldId id="313" r:id="rId15"/>
+    <p:sldId id="314" r:id="rId16"/>
+    <p:sldId id="316" r:id="rId17"/>
+    <p:sldId id="317" r:id="rId18"/>
+    <p:sldId id="273" r:id="rId19"/>
+    <p:sldId id="274" r:id="rId20"/>
   </p:sldIdLst>
   <p:sldSz cx="9144000" cy="5143500" type="screen16x9"/>
   <p:notesSz cx="7010400" cy="9296400"/>
   <p:embeddedFontLst>
     <p:embeddedFont>
-      <p:font typeface="Verdana" panose="020B0604030504040204" pitchFamily="34" charset="0"/>
-      <p:regular r:id="rId23"/>
-      <p:bold r:id="rId24"/>
-      <p:italic r:id="rId25"/>
-      <p:boldItalic r:id="rId26"/>
+      <p:font typeface="Intel Clear" panose="020B0604020203020204" pitchFamily="34" charset="0"/>
+      <p:regular r:id="rId22"/>
+      <p:bold r:id="rId23"/>
+      <p:italic r:id="rId24"/>
+      <p:boldItalic r:id="rId25"/>
+    </p:embeddedFont>
+    <p:embeddedFont>
+      <p:font typeface="Intel Clear Pro" panose="020B0804020202060201" pitchFamily="34" charset="0"/>
+      <p:bold r:id="rId26"/>
+    </p:embeddedFont>
+    <p:embeddedFont>
+      <p:font typeface="Roboto" panose="02000000000000000000" pitchFamily="2" charset="0"/>
+      <p:regular r:id="rId27"/>
+    </p:embeddedFont>
+    <p:embeddedFont>
+      <p:font typeface="ＭＳ Ｐゴシック" panose="020B0600070205080204" pitchFamily="34" charset="-128"/>
+      <p:regular r:id="rId28"/>
     </p:embeddedFont>
     <p:embeddedFont>
       <p:font typeface="Intel Clear Light" panose="020B0404020203020204" pitchFamily="34" charset="0"/>
-      <p:regular r:id="rId27"/>
-      <p:italic r:id="rId28"/>
-    </p:embeddedFont>
-    <p:embeddedFont>
-      <p:font typeface="ＭＳ Ｐゴシック" panose="020B0600070205080204" pitchFamily="34" charset="-128"/>
       <p:regular r:id="rId29"/>
+      <p:italic r:id="rId30"/>
     </p:embeddedFont>
     <p:embeddedFont>
       <p:font typeface="Calibri" panose="020F0502020204030204" pitchFamily="34" charset="0"/>
-      <p:regular r:id="rId30"/>
-      <p:bold r:id="rId31"/>
-      <p:italic r:id="rId32"/>
-      <p:boldItalic r:id="rId33"/>
+      <p:regular r:id="rId31"/>
+      <p:bold r:id="rId32"/>
+      <p:italic r:id="rId33"/>
+      <p:boldItalic r:id="rId34"/>
     </p:embeddedFont>
     <p:embeddedFont>
-      <p:font typeface="Roboto" panose="02000000000000000000" pitchFamily="2" charset="0"/>
-      <p:regular r:id="rId34"/>
-    </p:embeddedFont>
-    <p:embeddedFont>
-      <p:font typeface="Intel Clear" panose="020B0604020203020204" pitchFamily="34" charset="0"/>
+      <p:font typeface="Verdana" panose="020B0604030504040204" pitchFamily="34" charset="0"/>
       <p:regular r:id="rId35"/>
       <p:bold r:id="rId36"/>
       <p:italic r:id="rId37"/>
       <p:boldItalic r:id="rId38"/>
-    </p:embeddedFont>
-    <p:embeddedFont>
-      <p:font typeface="Intel Clear Pro" panose="020B0804020202060201" pitchFamily="34" charset="0"/>
-      <p:bold r:id="rId39"/>
     </p:embeddedFont>
   </p:embeddedFontLst>
   <p:defaultTextStyle>
@@ -1708,137 +1707,6 @@
           <a:bodyPr/>
           <a:lstStyle/>
           <a:p>
-            <a:pPr>
-              <a:buNone/>
-            </a:pPr>
-            <a:r>
-              <a:rPr lang="en-US" dirty="0" smtClean="0"/>
-              <a:t>Slide on the BKMs</a:t>
-            </a:r>
-            <a:r>
-              <a:rPr lang="en-US" baseline="0" dirty="0" smtClean="0"/>
-              <a:t> for building an IIoT. TPM -&gt; </a:t>
-            </a:r>
-            <a:r>
-              <a:rPr lang="en-US" dirty="0" smtClean="0"/>
-              <a:t>RDA -&gt; SDO</a:t>
-            </a:r>
-            <a:r>
-              <a:rPr lang="en-US" baseline="0" dirty="0" smtClean="0"/>
-              <a:t> -&gt; </a:t>
-            </a:r>
-            <a:endParaRPr lang="en-US" dirty="0"/>
-          </a:p>
-        </p:txBody>
-      </p:sp>
-      <p:sp>
-        <p:nvSpPr>
-          <p:cNvPr id="4" name="Slide Number Placeholder 3"/>
-          <p:cNvSpPr>
-            <a:spLocks noGrp="1"/>
-          </p:cNvSpPr>
-          <p:nvPr>
-            <p:ph type="sldNum" idx="10"/>
-          </p:nvPr>
-        </p:nvSpPr>
-        <p:spPr/>
-        <p:txBody>
-          <a:bodyPr/>
-          <a:lstStyle/>
-          <a:p>
-            <a:pPr algn="r">
-              <a:buClr>
-                <a:schemeClr val="dk1"/>
-              </a:buClr>
-              <a:buSzPct val="25000"/>
-            </a:pPr>
-            <a:fld id="{00000000-1234-1234-1234-123412341234}" type="slidenum">
-              <a:rPr lang="en-US" sz="1200" smtClean="0">
-                <a:solidFill>
-                  <a:schemeClr val="dk1"/>
-                </a:solidFill>
-                <a:latin typeface="Calibri"/>
-                <a:ea typeface="Calibri"/>
-                <a:cs typeface="Calibri"/>
-                <a:sym typeface="Calibri"/>
-              </a:rPr>
-              <a:pPr algn="r">
-                <a:buClr>
-                  <a:schemeClr val="dk1"/>
-                </a:buClr>
-                <a:buSzPct val="25000"/>
-              </a:pPr>
-              <a:t>11</a:t>
-            </a:fld>
-            <a:endParaRPr lang="en-US" sz="1200">
-              <a:solidFill>
-                <a:schemeClr val="dk1"/>
-              </a:solidFill>
-              <a:latin typeface="Calibri"/>
-              <a:ea typeface="Calibri"/>
-              <a:cs typeface="Calibri"/>
-              <a:sym typeface="Calibri"/>
-            </a:endParaRPr>
-          </a:p>
-        </p:txBody>
-      </p:sp>
-    </p:spTree>
-    <p:extLst>
-      <p:ext uri="{BB962C8B-B14F-4D97-AF65-F5344CB8AC3E}">
-        <p14:creationId xmlns:p14="http://schemas.microsoft.com/office/powerpoint/2010/main" val="4205185308"/>
-      </p:ext>
-    </p:extLst>
-  </p:cSld>
-  <p:clrMapOvr>
-    <a:masterClrMapping/>
-  </p:clrMapOvr>
-</p:notes>
-</file>
-
-<file path=ppt/notesSlides/notesSlide12.xml><?xml version="1.0" encoding="utf-8"?>
-<p:notes xmlns:a="http://schemas.openxmlformats.org/drawingml/2006/main" xmlns:r="http://schemas.openxmlformats.org/officeDocument/2006/relationships" xmlns:p="http://schemas.openxmlformats.org/presentationml/2006/main">
-  <p:cSld>
-    <p:spTree>
-      <p:nvGrpSpPr>
-        <p:cNvPr id="1" name=""/>
-        <p:cNvGrpSpPr/>
-        <p:nvPr/>
-      </p:nvGrpSpPr>
-      <p:grpSpPr>
-        <a:xfrm>
-          <a:off x="0" y="0"/>
-          <a:ext cx="0" cy="0"/>
-          <a:chOff x="0" y="0"/>
-          <a:chExt cx="0" cy="0"/>
-        </a:xfrm>
-      </p:grpSpPr>
-      <p:sp>
-        <p:nvSpPr>
-          <p:cNvPr id="2" name="Slide Image Placeholder 1"/>
-          <p:cNvSpPr>
-            <a:spLocks noGrp="1" noRot="1" noChangeAspect="1"/>
-          </p:cNvSpPr>
-          <p:nvPr>
-            <p:ph type="sldImg"/>
-          </p:nvPr>
-        </p:nvSpPr>
-        <p:spPr/>
-      </p:sp>
-      <p:sp>
-        <p:nvSpPr>
-          <p:cNvPr id="3" name="Notes Placeholder 2"/>
-          <p:cNvSpPr>
-            <a:spLocks noGrp="1"/>
-          </p:cNvSpPr>
-          <p:nvPr>
-            <p:ph type="body" idx="1"/>
-          </p:nvPr>
-        </p:nvSpPr>
-        <p:spPr/>
-        <p:txBody>
-          <a:bodyPr/>
-          <a:lstStyle/>
-          <a:p>
             <a:endParaRPr lang="en-US"/>
           </a:p>
         </p:txBody>
@@ -1880,7 +1748,7 @@
                 </a:buClr>
                 <a:buSzPct val="25000"/>
               </a:pPr>
-              <a:t>12</a:t>
+              <a:t>11</a:t>
             </a:fld>
             <a:endParaRPr lang="en-US" sz="1200">
               <a:solidFill>
@@ -1907,7 +1775,7 @@
 </p:notes>
 </file>
 
-<file path=ppt/notesSlides/notesSlide13.xml><?xml version="1.0" encoding="utf-8"?>
+<file path=ppt/notesSlides/notesSlide12.xml><?xml version="1.0" encoding="utf-8"?>
 <p:notes xmlns:a="http://schemas.openxmlformats.org/drawingml/2006/main" xmlns:r="http://schemas.openxmlformats.org/officeDocument/2006/relationships" xmlns:p="http://schemas.openxmlformats.org/presentationml/2006/main">
   <p:cSld>
     <p:spTree>
@@ -1973,7 +1841,7 @@
             <a:fld id="{D61C8689-8455-3546-ADF9-3B7273760F66}" type="slidenum">
               <a:rPr lang="en-US" smtClean="0"/>
               <a:pPr/>
-              <a:t>13</a:t>
+              <a:t>12</a:t>
             </a:fld>
             <a:endParaRPr lang="en-US" dirty="0"/>
           </a:p>
@@ -1992,7 +1860,7 @@
 </p:notes>
 </file>
 
-<file path=ppt/notesSlides/notesSlide14.xml><?xml version="1.0" encoding="utf-8"?>
+<file path=ppt/notesSlides/notesSlide13.xml><?xml version="1.0" encoding="utf-8"?>
 <p:notes xmlns:a="http://schemas.openxmlformats.org/drawingml/2006/main" xmlns:r="http://schemas.openxmlformats.org/officeDocument/2006/relationships" xmlns:p="http://schemas.openxmlformats.org/presentationml/2006/main">
   <p:cSld>
     <p:spTree>
@@ -2096,7 +1964,7 @@
             <a:fld id="{D61C8689-8455-3546-ADF9-3B7273760F66}" type="slidenum">
               <a:rPr lang="en-US" smtClean="0"/>
               <a:pPr/>
-              <a:t>14</a:t>
+              <a:t>13</a:t>
             </a:fld>
             <a:endParaRPr lang="en-US"/>
           </a:p>
@@ -2115,7 +1983,7 @@
 </p:notes>
 </file>
 
-<file path=ppt/notesSlides/notesSlide15.xml><?xml version="1.0" encoding="utf-8"?>
+<file path=ppt/notesSlides/notesSlide14.xml><?xml version="1.0" encoding="utf-8"?>
 <p:notes xmlns:a="http://schemas.openxmlformats.org/drawingml/2006/main" xmlns:r="http://schemas.openxmlformats.org/officeDocument/2006/relationships" xmlns:p="http://schemas.openxmlformats.org/presentationml/2006/main">
   <p:cSld>
     <p:spTree>
@@ -2227,7 +2095,7 @@
                 </a:solidFill>
               </a:rPr>
               <a:pPr/>
-              <a:t>15</a:t>
+              <a:t>14</a:t>
             </a:fld>
             <a:endParaRPr lang="en-US" dirty="0">
               <a:solidFill>
@@ -2250,7 +2118,7 @@
 </p:notes>
 </file>
 
-<file path=ppt/notesSlides/notesSlide16.xml><?xml version="1.0" encoding="utf-8"?>
+<file path=ppt/notesSlides/notesSlide15.xml><?xml version="1.0" encoding="utf-8"?>
 <p:notes xmlns:a="http://schemas.openxmlformats.org/drawingml/2006/main" xmlns:r="http://schemas.openxmlformats.org/officeDocument/2006/relationships" xmlns:p="http://schemas.openxmlformats.org/presentationml/2006/main">
   <p:cSld>
     <p:spTree>
@@ -2335,7 +2203,7 @@
                 </a:buClr>
                 <a:buSzPct val="25000"/>
               </a:pPr>
-              <a:t>16</a:t>
+              <a:t>15</a:t>
             </a:fld>
             <a:endParaRPr lang="en-US" sz="1200">
               <a:solidFill>
@@ -2362,7 +2230,7 @@
 </p:notes>
 </file>
 
-<file path=ppt/notesSlides/notesSlide17.xml><?xml version="1.0" encoding="utf-8"?>
+<file path=ppt/notesSlides/notesSlide16.xml><?xml version="1.0" encoding="utf-8"?>
 <p:notes xmlns:a="http://schemas.openxmlformats.org/drawingml/2006/main" xmlns:r="http://schemas.openxmlformats.org/officeDocument/2006/relationships" xmlns:p="http://schemas.openxmlformats.org/presentationml/2006/main">
   <p:cSld>
     <p:spTree>
@@ -2533,7 +2401,7 @@
                 </a:solidFill>
               </a:rPr>
               <a:pPr/>
-              <a:t>17</a:t>
+              <a:t>16</a:t>
             </a:fld>
             <a:endParaRPr lang="en-US" dirty="0">
               <a:solidFill>
@@ -2556,7 +2424,7 @@
 </p:notes>
 </file>
 
-<file path=ppt/notesSlides/notesSlide18.xml><?xml version="1.0" encoding="utf-8"?>
+<file path=ppt/notesSlides/notesSlide17.xml><?xml version="1.0" encoding="utf-8"?>
 <p:notes xmlns:a="http://schemas.openxmlformats.org/drawingml/2006/main" xmlns:r="http://schemas.openxmlformats.org/officeDocument/2006/relationships" xmlns:p="http://schemas.openxmlformats.org/presentationml/2006/main" showMasterSp="0" showMasterPhAnim="0">
   <p:cSld>
     <p:spTree>
@@ -2677,7 +2545,7 @@
 </p:notes>
 </file>
 
-<file path=ppt/notesSlides/notesSlide19.xml><?xml version="1.0" encoding="utf-8"?>
+<file path=ppt/notesSlides/notesSlide18.xml><?xml version="1.0" encoding="utf-8"?>
 <p:notes xmlns:a="http://schemas.openxmlformats.org/drawingml/2006/main" xmlns:r="http://schemas.openxmlformats.org/officeDocument/2006/relationships" xmlns:p="http://schemas.openxmlformats.org/presentationml/2006/main" showMasterSp="0" showMasterPhAnim="0">
   <p:cSld>
     <p:spTree>
@@ -22860,101 +22728,6 @@
       </p:grpSpPr>
       <p:sp>
         <p:nvSpPr>
-          <p:cNvPr id="2" name="Slide Number Placeholder 1"/>
-          <p:cNvSpPr>
-            <a:spLocks noGrp="1"/>
-          </p:cNvSpPr>
-          <p:nvPr>
-            <p:ph type="sldNum" sz="quarter" idx="10"/>
-          </p:nvPr>
-        </p:nvSpPr>
-        <p:spPr/>
-        <p:txBody>
-          <a:bodyPr/>
-          <a:lstStyle/>
-          <a:p>
-            <a:pPr eaLnBrk="0" fontAlgn="base" hangingPunct="0">
-              <a:spcBef>
-                <a:spcPct val="50000"/>
-              </a:spcBef>
-              <a:spcAft>
-                <a:spcPct val="0"/>
-              </a:spcAft>
-            </a:pPr>
-            <a:fld id="{FD44707B-D922-47D5-BD24-D96E91B70543}" type="slidenum">
-              <a:rPr lang="en-US" sz="1350" kern="1200" smtClean="0">
-                <a:solidFill>
-                  <a:prstClr val="white"/>
-                </a:solidFill>
-                <a:latin typeface="Intel Clear"/>
-                <a:ea typeface="+mn-ea"/>
-                <a:cs typeface="+mn-cs"/>
-              </a:rPr>
-              <a:pPr eaLnBrk="0" fontAlgn="base" hangingPunct="0">
-                <a:spcBef>
-                  <a:spcPct val="50000"/>
-                </a:spcBef>
-                <a:spcAft>
-                  <a:spcPct val="0"/>
-                </a:spcAft>
-              </a:pPr>
-              <a:t>11</a:t>
-            </a:fld>
-            <a:endParaRPr lang="en-US" sz="1350" kern="1200" dirty="0">
-              <a:solidFill>
-                <a:prstClr val="white"/>
-              </a:solidFill>
-              <a:latin typeface="Intel Clear"/>
-              <a:ea typeface="+mn-ea"/>
-              <a:cs typeface="+mn-cs"/>
-            </a:endParaRPr>
-          </a:p>
-        </p:txBody>
-      </p:sp>
-    </p:spTree>
-    <p:extLst>
-      <p:ext uri="{BB962C8B-B14F-4D97-AF65-F5344CB8AC3E}">
-        <p14:creationId xmlns:p14="http://schemas.microsoft.com/office/powerpoint/2010/main" val="1738574066"/>
-      </p:ext>
-    </p:extLst>
-  </p:cSld>
-  <p:clrMapOvr>
-    <a:masterClrMapping/>
-  </p:clrMapOvr>
-  <mc:AlternateContent xmlns:mc="http://schemas.openxmlformats.org/markup-compatibility/2006" xmlns:p14="http://schemas.microsoft.com/office/powerpoint/2010/main">
-    <mc:Choice Requires="p14">
-      <p:transition spd="med" p14:dur="700">
-        <p:fade/>
-      </p:transition>
-    </mc:Choice>
-    <mc:Fallback xmlns="">
-      <p:transition spd="med">
-        <p:fade/>
-      </p:transition>
-    </mc:Fallback>
-  </mc:AlternateContent>
-</p:sld>
-</file>
-
-<file path=ppt/slides/slide12.xml><?xml version="1.0" encoding="utf-8"?>
-<p:sld xmlns:a="http://schemas.openxmlformats.org/drawingml/2006/main" xmlns:r="http://schemas.openxmlformats.org/officeDocument/2006/relationships" xmlns:p="http://schemas.openxmlformats.org/presentationml/2006/main">
-  <p:cSld>
-    <p:spTree>
-      <p:nvGrpSpPr>
-        <p:cNvPr id="1" name=""/>
-        <p:cNvGrpSpPr/>
-        <p:nvPr/>
-      </p:nvGrpSpPr>
-      <p:grpSpPr>
-        <a:xfrm>
-          <a:off x="0" y="0"/>
-          <a:ext cx="0" cy="0"/>
-          <a:chOff x="0" y="0"/>
-          <a:chExt cx="0" cy="0"/>
-        </a:xfrm>
-      </p:grpSpPr>
-      <p:sp>
-        <p:nvSpPr>
           <p:cNvPr id="5" name="Title 4"/>
           <p:cNvSpPr>
             <a:spLocks noGrp="1"/>
@@ -23079,7 +22852,7 @@
                 </a:solidFill>
               </a:rPr>
               <a:pPr/>
-              <a:t>12</a:t>
+              <a:t>11</a:t>
             </a:fld>
             <a:endParaRPr lang="en-US" dirty="0">
               <a:solidFill>
@@ -23732,8 +23505,8 @@
 </p:sld>
 </file>
 
-<file path=ppt/slides/slide13.xml><?xml version="1.0" encoding="utf-8"?>
-<p:sld xmlns:a="http://schemas.openxmlformats.org/drawingml/2006/main" xmlns:r="http://schemas.openxmlformats.org/officeDocument/2006/relationships" xmlns:p="http://schemas.openxmlformats.org/presentationml/2006/main" show="0">
+<file path=ppt/slides/slide12.xml><?xml version="1.0" encoding="utf-8"?>
+<p:sld xmlns:a="http://schemas.openxmlformats.org/drawingml/2006/main" xmlns:r="http://schemas.openxmlformats.org/officeDocument/2006/relationships" xmlns:p="http://schemas.openxmlformats.org/presentationml/2006/main">
   <p:cSld>
     <p:spTree>
       <p:nvGrpSpPr>
@@ -25699,8 +25472,8 @@
 </p:sld>
 </file>
 
-<file path=ppt/slides/slide14.xml><?xml version="1.0" encoding="utf-8"?>
-<p:sld xmlns:a="http://schemas.openxmlformats.org/drawingml/2006/main" xmlns:r="http://schemas.openxmlformats.org/officeDocument/2006/relationships" xmlns:p="http://schemas.openxmlformats.org/presentationml/2006/main">
+<file path=ppt/slides/slide13.xml><?xml version="1.0" encoding="utf-8"?>
+<p:sld xmlns:a="http://schemas.openxmlformats.org/drawingml/2006/main" xmlns:r="http://schemas.openxmlformats.org/officeDocument/2006/relationships" xmlns:p="http://schemas.openxmlformats.org/presentationml/2006/main" show="0">
   <p:cSld>
     <p:spTree>
       <p:nvGrpSpPr>
@@ -25796,7 +25569,7 @@
             <a:fld id="{EE2556C5-CE8C-6547-B838-EA80C61A4AF7}" type="slidenum">
               <a:rPr lang="en-US" smtClean="0"/>
               <a:pPr/>
-              <a:t>14</a:t>
+              <a:t>13</a:t>
             </a:fld>
             <a:endParaRPr lang="en-US" dirty="0"/>
           </a:p>
@@ -26021,13 +25794,13 @@
   <p:clrMapOvr>
     <a:masterClrMapping/>
   </p:clrMapOvr>
-  <mc:AlternateContent xmlns:mc="http://schemas.openxmlformats.org/markup-compatibility/2006" xmlns:p14="http://schemas.microsoft.com/office/powerpoint/2010/main">
-    <mc:Choice Requires="p14">
+  <mc:AlternateContent xmlns:mc="http://schemas.openxmlformats.org/markup-compatibility/2006">
+    <mc:Choice xmlns:p14="http://schemas.microsoft.com/office/powerpoint/2010/main" Requires="p14">
       <p:transition spd="med" p14:dur="700">
         <p:fade/>
       </p:transition>
     </mc:Choice>
-    <mc:Fallback xmlns="">
+    <mc:Fallback>
       <p:transition spd="med">
         <p:fade/>
       </p:transition>
@@ -26043,7 +25816,7 @@
 </p:sld>
 </file>
 
-<file path=ppt/slides/slide15.xml><?xml version="1.0" encoding="utf-8"?>
+<file path=ppt/slides/slide14.xml><?xml version="1.0" encoding="utf-8"?>
 <p:sld xmlns:a="http://schemas.openxmlformats.org/drawingml/2006/main" xmlns:r="http://schemas.openxmlformats.org/officeDocument/2006/relationships" xmlns:p="http://schemas.openxmlformats.org/presentationml/2006/main">
   <p:cSld>
     <p:spTree>
@@ -29203,8 +28976,8 @@
 </p:sld>
 </file>
 
-<file path=ppt/slides/slide16.xml><?xml version="1.0" encoding="utf-8"?>
-<p:sld xmlns:a="http://schemas.openxmlformats.org/drawingml/2006/main" xmlns:r="http://schemas.openxmlformats.org/officeDocument/2006/relationships" xmlns:p="http://schemas.openxmlformats.org/presentationml/2006/main">
+<file path=ppt/slides/slide15.xml><?xml version="1.0" encoding="utf-8"?>
+<p:sld xmlns:a="http://schemas.openxmlformats.org/drawingml/2006/main" xmlns:r="http://schemas.openxmlformats.org/officeDocument/2006/relationships" xmlns:p="http://schemas.openxmlformats.org/presentationml/2006/main" show="0">
   <p:cSld>
     <p:spTree>
       <p:nvGrpSpPr>
@@ -29259,7 +29032,7 @@
                   <a:spcPct val="0"/>
                 </a:spcAft>
               </a:pPr>
-              <a:t>16</a:t>
+              <a:t>15</a:t>
             </a:fld>
             <a:endParaRPr lang="en-US" sz="1350" kern="1200" dirty="0">
               <a:solidFill>
@@ -29368,13 +29141,13 @@
   <p:clrMapOvr>
     <a:masterClrMapping/>
   </p:clrMapOvr>
-  <mc:AlternateContent xmlns:mc="http://schemas.openxmlformats.org/markup-compatibility/2006" xmlns:p14="http://schemas.microsoft.com/office/powerpoint/2010/main">
-    <mc:Choice Requires="p14">
+  <mc:AlternateContent xmlns:mc="http://schemas.openxmlformats.org/markup-compatibility/2006">
+    <mc:Choice xmlns:p14="http://schemas.microsoft.com/office/powerpoint/2010/main" Requires="p14">
       <p:transition spd="med" p14:dur="700">
         <p:fade/>
       </p:transition>
     </mc:Choice>
-    <mc:Fallback xmlns="">
+    <mc:Fallback>
       <p:transition spd="med">
         <p:fade/>
       </p:transition>
@@ -29390,8 +29163,8 @@
 </p:sld>
 </file>
 
-<file path=ppt/slides/slide17.xml><?xml version="1.0" encoding="utf-8"?>
-<p:sld xmlns:a="http://schemas.openxmlformats.org/drawingml/2006/main" xmlns:r="http://schemas.openxmlformats.org/officeDocument/2006/relationships" xmlns:p="http://schemas.openxmlformats.org/presentationml/2006/main">
+<file path=ppt/slides/slide16.xml><?xml version="1.0" encoding="utf-8"?>
+<p:sld xmlns:a="http://schemas.openxmlformats.org/drawingml/2006/main" xmlns:r="http://schemas.openxmlformats.org/officeDocument/2006/relationships" xmlns:p="http://schemas.openxmlformats.org/presentationml/2006/main" show="0">
   <p:cSld>
     <p:spTree>
       <p:nvGrpSpPr>
@@ -36510,8 +36283,8 @@
 </p:sld>
 </file>
 
-<file path=ppt/slides/slide18.xml><?xml version="1.0" encoding="utf-8"?>
-<p:sld xmlns:a="http://schemas.openxmlformats.org/drawingml/2006/main" xmlns:r="http://schemas.openxmlformats.org/officeDocument/2006/relationships" xmlns:p="http://schemas.openxmlformats.org/presentationml/2006/main">
+<file path=ppt/slides/slide17.xml><?xml version="1.0" encoding="utf-8"?>
+<p:sld xmlns:a="http://schemas.openxmlformats.org/drawingml/2006/main" xmlns:r="http://schemas.openxmlformats.org/officeDocument/2006/relationships" xmlns:p="http://schemas.openxmlformats.org/presentationml/2006/main" show="0">
   <p:cSld>
     <p:spTree>
       <p:nvGrpSpPr>
@@ -36593,13 +36366,13 @@
   <p:clrMapOvr>
     <a:masterClrMapping/>
   </p:clrMapOvr>
-  <mc:AlternateContent xmlns:mc="http://schemas.openxmlformats.org/markup-compatibility/2006" xmlns:p14="http://schemas.microsoft.com/office/powerpoint/2010/main">
-    <mc:Choice Requires="p14">
+  <mc:AlternateContent xmlns:mc="http://schemas.openxmlformats.org/markup-compatibility/2006">
+    <mc:Choice xmlns:p14="http://schemas.microsoft.com/office/powerpoint/2010/main" Requires="p14">
       <p:transition spd="med" p14:dur="700">
         <p:fade/>
       </p:transition>
     </mc:Choice>
-    <mc:Fallback xmlns="">
+    <mc:Fallback>
       <p:transition spd="med">
         <p:fade/>
       </p:transition>
@@ -36615,7 +36388,7 @@
 </p:sld>
 </file>
 
-<file path=ppt/slides/slide19.xml><?xml version="1.0" encoding="utf-8"?>
+<file path=ppt/slides/slide18.xml><?xml version="1.0" encoding="utf-8"?>
 <p:sld xmlns:a="http://schemas.openxmlformats.org/drawingml/2006/main" xmlns:r="http://schemas.openxmlformats.org/officeDocument/2006/relationships" xmlns:p="http://schemas.openxmlformats.org/presentationml/2006/main">
   <p:cSld>
     <p:spTree>
@@ -42062,16 +41835,7 @@
                 </a:solidFill>
                 <a:latin typeface="+mj-lt"/>
               </a:rPr>
-              <a:t>Measured </a:t>
-            </a:r>
-            <a:r>
-              <a:rPr lang="en-US" sz="2400" b="1" dirty="0">
-                <a:solidFill>
-                  <a:schemeClr val="accent3"/>
-                </a:solidFill>
-                <a:latin typeface="+mj-lt"/>
-              </a:rPr>
-              <a:t>Boot</a:t>
+              <a:t>Measured Boot</a:t>
             </a:r>
           </a:p>
           <a:p>
@@ -42502,13 +42266,7 @@
               <a:rPr lang="en-US" sz="1400" dirty="0" smtClean="0">
                 <a:latin typeface="+mn-lt"/>
               </a:rPr>
-              <a:t>Reduction in BOM cost and board savings as compared to a discrete TPM, or use with a Discrete TPM (for geo or vendor-specific</a:t>
-            </a:r>
-            <a:r>
-              <a:rPr lang="en-US" sz="1400" dirty="0" smtClean="0">
-                <a:latin typeface="+mn-lt"/>
-              </a:rPr>
-              <a:t>)</a:t>
+              <a:t>Reduction in BOM cost and board savings as compared to a discrete TPM, or use with a Discrete TPM (for geo or vendor-specific)</a:t>
             </a:r>
           </a:p>
           <a:p>
@@ -42539,9 +42297,6 @@
               </a:rPr>
               <a:t>This is have existing installations can perform TE </a:t>
             </a:r>
-            <a:endParaRPr lang="en-US" sz="1400" dirty="0" smtClean="0">
-              <a:latin typeface="+mn-lt"/>
-            </a:endParaRPr>
           </a:p>
         </p:txBody>
       </p:sp>
